--- a/Credit Card Default Prediction.pptx
+++ b/Credit Card Default Prediction.pptx
@@ -776,7 +776,7 @@
             <a:fld id="{1E700B27-DE4C-4B9E-BB11-B9027034A00F}" type="datetimeFigureOut">
               <a:rPr lang="en-US" smtClean="0"/>
               <a:pPr/>
-              <a:t>3/30/2024</a:t>
+              <a:t>4/3/2024</a:t>
             </a:fld>
             <a:endParaRPr lang="en-US" dirty="0"/>
           </a:p>
@@ -1897,7 +1897,7 @@
           <a:p>
             <a:fld id="{C40F4739-9812-4A9F-890D-2AD6BA5F6EE8}" type="datetimeFigureOut">
               <a:rPr lang="en-US" smtClean="0"/>
-              <a:t>3/30/2024</a:t>
+              <a:t>4/3/2024</a:t>
             </a:fld>
             <a:endParaRPr lang="en-US" dirty="0"/>
           </a:p>
@@ -2909,7 +2909,7 @@
           <a:p>
             <a:fld id="{18845AC5-A3F8-44AA-BA8F-596CDCC976D3}" type="datetimeFigureOut">
               <a:rPr lang="en-US" smtClean="0"/>
-              <a:t>3/30/2024</a:t>
+              <a:t>4/3/2024</a:t>
             </a:fld>
             <a:endParaRPr lang="en-US" dirty="0"/>
           </a:p>
@@ -4080,7 +4080,7 @@
           <a:p>
             <a:fld id="{C873B183-A821-4095-A363-9EC968635539}" type="datetimeFigureOut">
               <a:rPr lang="en-US" smtClean="0"/>
-              <a:t>3/30/2024</a:t>
+              <a:t>4/3/2024</a:t>
             </a:fld>
             <a:endParaRPr lang="en-US" dirty="0"/>
           </a:p>
@@ -5142,7 +5142,7 @@
           <a:p>
             <a:fld id="{174D01B4-0AA5-45E6-B2E6-5FA4078AEBCF}" type="datetimeFigureOut">
               <a:rPr lang="en-US" smtClean="0"/>
-              <a:t>3/30/2024</a:t>
+              <a:t>4/3/2024</a:t>
             </a:fld>
             <a:endParaRPr lang="en-US" dirty="0"/>
           </a:p>
@@ -5789,7 +5789,7 @@
           <a:p>
             <a:fld id="{4147335C-0450-40D7-8612-B3203BED4F28}" type="datetimeFigureOut">
               <a:rPr lang="en-US" smtClean="0"/>
-              <a:t>3/30/2024</a:t>
+              <a:t>4/3/2024</a:t>
             </a:fld>
             <a:endParaRPr lang="en-US" dirty="0"/>
           </a:p>
@@ -6637,7 +6637,7 @@
           <a:p>
             <a:fld id="{D246A105-2A1C-4284-B4EA-07CF89B1A393}" type="datetimeFigureOut">
               <a:rPr lang="en-US" smtClean="0"/>
-              <a:t>3/30/2024</a:t>
+              <a:t>4/3/2024</a:t>
             </a:fld>
             <a:endParaRPr lang="en-US" dirty="0"/>
           </a:p>
@@ -6813,7 +6813,7 @@
           <a:p>
             <a:fld id="{80DBE609-F3F2-45E6-BD6A-E03A8C86C1AE}" type="datetimeFigureOut">
               <a:rPr lang="en-US" smtClean="0"/>
-              <a:t>3/30/2024</a:t>
+              <a:t>4/3/2024</a:t>
             </a:fld>
             <a:endParaRPr lang="en-US" dirty="0"/>
           </a:p>
@@ -7812,7 +7812,7 @@
           <a:p>
             <a:fld id="{7A24AD68-089C-4467-A8F3-EA2BBCA6B44E}" type="datetimeFigureOut">
               <a:rPr lang="en-US" smtClean="0"/>
-              <a:t>3/30/2024</a:t>
+              <a:t>4/3/2024</a:t>
             </a:fld>
             <a:endParaRPr lang="en-US" dirty="0"/>
           </a:p>
@@ -8019,7 +8019,7 @@
           <a:p>
             <a:fld id="{75C51FCE-E4BB-4680-8E50-3C0E348D2609}" type="datetimeFigureOut">
               <a:rPr lang="en-US" smtClean="0"/>
-              <a:t>3/30/2024</a:t>
+              <a:t>4/3/2024</a:t>
             </a:fld>
             <a:endParaRPr lang="en-US" dirty="0"/>
           </a:p>
@@ -9082,7 +9082,7 @@
           <a:p>
             <a:fld id="{8AAA073D-A903-47F8-8D16-77642FB0DF1F}" type="datetimeFigureOut">
               <a:rPr lang="en-US" smtClean="0"/>
-              <a:t>3/30/2024</a:t>
+              <a:t>4/3/2024</a:t>
             </a:fld>
             <a:endParaRPr lang="en-US" dirty="0"/>
           </a:p>
@@ -9355,7 +9355,7 @@
           <a:p>
             <a:fld id="{AB91FA40-626B-4CA1-85D0-7A9016E395BA}" type="datetimeFigureOut">
               <a:rPr lang="en-US" smtClean="0"/>
-              <a:t>3/30/2024</a:t>
+              <a:t>4/3/2024</a:t>
             </a:fld>
             <a:endParaRPr lang="en-US" dirty="0"/>
           </a:p>
@@ -9738,7 +9738,7 @@
           <a:p>
             <a:fld id="{C3F425EA-B9DC-48A7-991E-9A82573B1B21}" type="datetimeFigureOut">
               <a:rPr lang="en-US" smtClean="0"/>
-              <a:t>3/30/2024</a:t>
+              <a:t>4/3/2024</a:t>
             </a:fld>
             <a:endParaRPr lang="en-US" dirty="0"/>
           </a:p>
@@ -9857,7 +9857,7 @@
           <a:p>
             <a:fld id="{66CB97F8-6CEB-469B-AFCC-889F2A2B1D5A}" type="datetimeFigureOut">
               <a:rPr lang="en-US" smtClean="0"/>
-              <a:t>3/30/2024</a:t>
+              <a:t>4/3/2024</a:t>
             </a:fld>
             <a:endParaRPr lang="en-US" dirty="0"/>
           </a:p>
@@ -9953,7 +9953,7 @@
           <a:p>
             <a:fld id="{8FA9179F-009E-4FA5-B091-7EBB82A185BD}" type="datetimeFigureOut">
               <a:rPr lang="en-US" smtClean="0"/>
-              <a:t>3/30/2024</a:t>
+              <a:t>4/3/2024</a:t>
             </a:fld>
             <a:endParaRPr lang="en-US" dirty="0"/>
           </a:p>
@@ -11063,7 +11063,7 @@
           <a:p>
             <a:fld id="{8E665CEB-0076-4E37-B880-BCEA9784DE0A}" type="datetimeFigureOut">
               <a:rPr lang="en-US" smtClean="0"/>
-              <a:t>3/30/2024</a:t>
+              <a:t>4/3/2024</a:t>
             </a:fld>
             <a:endParaRPr lang="en-US" dirty="0"/>
           </a:p>
@@ -12197,7 +12197,7 @@
           <a:p>
             <a:fld id="{A6149E5E-3896-4118-99A7-7B85668F1C5E}" type="datetimeFigureOut">
               <a:rPr lang="en-US" smtClean="0"/>
-              <a:t>3/30/2024</a:t>
+              <a:t>4/3/2024</a:t>
             </a:fld>
             <a:endParaRPr lang="en-US" dirty="0"/>
           </a:p>
@@ -13226,7 +13226,7 @@
           <a:p>
             <a:fld id="{7E0D914D-B099-4142-A885-11F276715148}" type="datetimeFigureOut">
               <a:rPr lang="en-US" smtClean="0"/>
-              <a:t>3/30/2024</a:t>
+              <a:t>4/3/2024</a:t>
             </a:fld>
             <a:endParaRPr lang="en-US" dirty="0"/>
           </a:p>
@@ -15119,7 +15119,7 @@
         </p:blipFill>
         <p:spPr>
           <a:xfrm>
-            <a:off x="6888858" y="3179763"/>
+            <a:off x="6889230" y="3179762"/>
             <a:ext cx="3464121" cy="2840037"/>
           </a:xfrm>
         </p:spPr>
@@ -15138,7 +15138,7 @@
         </p:nvSpPr>
         <p:spPr>
           <a:xfrm>
-            <a:off x="7723573" y="5175682"/>
+            <a:off x="7653768" y="4898683"/>
             <a:ext cx="541538" cy="276999"/>
           </a:xfrm>
           <a:prstGeom prst="rect">
@@ -15173,7 +15173,7 @@
         </p:nvSpPr>
         <p:spPr>
           <a:xfrm>
-            <a:off x="8833282" y="5175682"/>
+            <a:off x="8732790" y="4898683"/>
             <a:ext cx="541538" cy="276999"/>
           </a:xfrm>
           <a:prstGeom prst="rect">
@@ -15321,8 +15321,8 @@
         </p:blipFill>
         <p:spPr>
           <a:xfrm>
-            <a:off x="967666" y="3429000"/>
-            <a:ext cx="5387864" cy="2252709"/>
+            <a:off x="949911" y="3421576"/>
+            <a:ext cx="5405619" cy="2260133"/>
           </a:xfrm>
         </p:spPr>
       </p:pic>
@@ -15964,8 +15964,8 @@
         </p:blipFill>
         <p:spPr>
           <a:xfrm>
-            <a:off x="6587231" y="3071674"/>
-            <a:ext cx="5442012" cy="2601157"/>
+            <a:off x="6276509" y="3586579"/>
+            <a:ext cx="5646198" cy="1384916"/>
           </a:xfrm>
         </p:spPr>
       </p:pic>
@@ -15983,8 +15983,8 @@
         </p:nvSpPr>
         <p:spPr>
           <a:xfrm>
-            <a:off x="665825" y="2947386"/>
-            <a:ext cx="5859262" cy="3416320"/>
+            <a:off x="417249" y="2947386"/>
+            <a:ext cx="5646198" cy="3416320"/>
           </a:xfrm>
           <a:prstGeom prst="rect">
             <a:avLst/>
@@ -18008,8 +18008,8 @@
         </p:nvSpPr>
         <p:spPr>
           <a:xfrm>
-            <a:off x="1272011" y="2203276"/>
-            <a:ext cx="3145380" cy="542123"/>
+            <a:off x="1288223" y="2520887"/>
+            <a:ext cx="3129168" cy="517478"/>
           </a:xfrm>
         </p:spPr>
         <p:txBody>
@@ -18072,8 +18072,8 @@
         </p:nvSpPr>
         <p:spPr>
           <a:xfrm>
-            <a:off x="4620487" y="2128794"/>
-            <a:ext cx="3027763" cy="603834"/>
+            <a:off x="4620487" y="2616342"/>
+            <a:ext cx="3027763" cy="409251"/>
           </a:xfrm>
         </p:spPr>
         <p:txBody>
@@ -18136,8 +18136,8 @@
         </p:nvSpPr>
         <p:spPr>
           <a:xfrm>
-            <a:off x="8019966" y="2323377"/>
-            <a:ext cx="3027763" cy="517477"/>
+            <a:off x="8082416" y="2616342"/>
+            <a:ext cx="2965313" cy="517478"/>
           </a:xfrm>
         </p:spPr>
         <p:txBody>
@@ -18213,7 +18213,7 @@
         </p:blipFill>
         <p:spPr>
           <a:xfrm>
-            <a:off x="932154" y="2735202"/>
+            <a:off x="932154" y="3028168"/>
             <a:ext cx="3488925" cy="3434779"/>
           </a:xfrm>
           <a:prstGeom prst="rect">
@@ -18243,7 +18243,7 @@
         </p:blipFill>
         <p:spPr>
           <a:xfrm>
-            <a:off x="4558037" y="2745399"/>
+            <a:off x="4558035" y="3025593"/>
             <a:ext cx="3324974" cy="3424582"/>
           </a:xfrm>
           <a:prstGeom prst="rect">
@@ -18273,8 +18273,8 @@
         </p:blipFill>
         <p:spPr>
           <a:xfrm>
-            <a:off x="8019966" y="2824084"/>
-            <a:ext cx="3304442" cy="3257013"/>
+            <a:off x="7999434" y="3096814"/>
+            <a:ext cx="3324974" cy="3277250"/>
           </a:xfrm>
           <a:prstGeom prst="rect">
             <a:avLst/>
